--- a/Result Each Week/Misty Forest.pptx
+++ b/Result Each Week/Misty Forest.pptx
@@ -8905,7 +8905,7 @@
           <a:p>
             <a:fld id="{1C111BA0-4968-4E37-9E0D-08CDB857726C}" type="datetimeFigureOut">
               <a:rPr lang="vi-VN" smtClean="0"/>
-              <a:t>08/08/2019</a:t>
+              <a:t>29/08/2019</a:t>
             </a:fld>
             <a:endParaRPr lang="vi-VN"/>
           </a:p>
@@ -9117,7 +9117,7 @@
           <a:p>
             <a:fld id="{1C111BA0-4968-4E37-9E0D-08CDB857726C}" type="datetimeFigureOut">
               <a:rPr lang="vi-VN" smtClean="0"/>
-              <a:t>08/08/2019</a:t>
+              <a:t>29/08/2019</a:t>
             </a:fld>
             <a:endParaRPr lang="vi-VN"/>
           </a:p>
@@ -9297,7 +9297,7 @@
           <a:p>
             <a:fld id="{1C111BA0-4968-4E37-9E0D-08CDB857726C}" type="datetimeFigureOut">
               <a:rPr lang="vi-VN" smtClean="0"/>
-              <a:t>08/08/2019</a:t>
+              <a:t>29/08/2019</a:t>
             </a:fld>
             <a:endParaRPr lang="vi-VN"/>
           </a:p>
@@ -9595,7 +9595,7 @@
           <a:p>
             <a:fld id="{1C111BA0-4968-4E37-9E0D-08CDB857726C}" type="datetimeFigureOut">
               <a:rPr lang="vi-VN" smtClean="0"/>
-              <a:t>08/08/2019</a:t>
+              <a:t>29/08/2019</a:t>
             </a:fld>
             <a:endParaRPr lang="vi-VN"/>
           </a:p>
@@ -18493,7 +18493,7 @@
           <a:p>
             <a:fld id="{1C111BA0-4968-4E37-9E0D-08CDB857726C}" type="datetimeFigureOut">
               <a:rPr lang="vi-VN" smtClean="0"/>
-              <a:t>08/08/2019</a:t>
+              <a:t>29/08/2019</a:t>
             </a:fld>
             <a:endParaRPr lang="vi-VN"/>
           </a:p>
@@ -18772,7 +18772,7 @@
           <a:p>
             <a:fld id="{1C111BA0-4968-4E37-9E0D-08CDB857726C}" type="datetimeFigureOut">
               <a:rPr lang="vi-VN" smtClean="0"/>
-              <a:t>08/08/2019</a:t>
+              <a:t>29/08/2019</a:t>
             </a:fld>
             <a:endParaRPr lang="vi-VN"/>
           </a:p>
@@ -19170,7 +19170,7 @@
           <a:p>
             <a:fld id="{1C111BA0-4968-4E37-9E0D-08CDB857726C}" type="datetimeFigureOut">
               <a:rPr lang="vi-VN" smtClean="0"/>
-              <a:t>08/08/2019</a:t>
+              <a:t>29/08/2019</a:t>
             </a:fld>
             <a:endParaRPr lang="vi-VN"/>
           </a:p>
@@ -19288,7 +19288,7 @@
           <a:p>
             <a:fld id="{1C111BA0-4968-4E37-9E0D-08CDB857726C}" type="datetimeFigureOut">
               <a:rPr lang="vi-VN" smtClean="0"/>
-              <a:t>08/08/2019</a:t>
+              <a:t>29/08/2019</a:t>
             </a:fld>
             <a:endParaRPr lang="vi-VN"/>
           </a:p>
@@ -19383,7 +19383,7 @@
           <a:p>
             <a:fld id="{1C111BA0-4968-4E37-9E0D-08CDB857726C}" type="datetimeFigureOut">
               <a:rPr lang="vi-VN" smtClean="0"/>
-              <a:t>08/08/2019</a:t>
+              <a:t>29/08/2019</a:t>
             </a:fld>
             <a:endParaRPr lang="vi-VN"/>
           </a:p>
@@ -19678,7 +19678,7 @@
           <a:p>
             <a:fld id="{1C111BA0-4968-4E37-9E0D-08CDB857726C}" type="datetimeFigureOut">
               <a:rPr lang="vi-VN" smtClean="0"/>
-              <a:t>08/08/2019</a:t>
+              <a:t>29/08/2019</a:t>
             </a:fld>
             <a:endParaRPr lang="vi-VN"/>
           </a:p>
@@ -19963,7 +19963,7 @@
           <a:p>
             <a:fld id="{1C111BA0-4968-4E37-9E0D-08CDB857726C}" type="datetimeFigureOut">
               <a:rPr lang="vi-VN" smtClean="0"/>
-              <a:t>08/08/2019</a:t>
+              <a:t>29/08/2019</a:t>
             </a:fld>
             <a:endParaRPr lang="vi-VN"/>
           </a:p>
@@ -20213,7 +20213,7 @@
           <a:p>
             <a:fld id="{1C111BA0-4968-4E37-9E0D-08CDB857726C}" type="datetimeFigureOut">
               <a:rPr lang="vi-VN" smtClean="0"/>
-              <a:t>08/08/2019</a:t>
+              <a:t>29/08/2019</a:t>
             </a:fld>
             <a:endParaRPr lang="vi-VN"/>
           </a:p>
@@ -20998,7 +20998,7 @@
                 </a:solidFill>
                 <a:latin typeface="SFU Solex" panose="00000400000000000000" pitchFamily="2" charset="0"/>
               </a:rPr>
-              <a:t>10133</a:t>
+              <a:t>10137</a:t>
             </a:r>
             <a:endParaRPr lang="vi-VN" sz="4000" b="1" dirty="0">
               <a:solidFill>
@@ -21118,7 +21118,7 @@
           <p:cNvPr id="5" name="Table 4">
             <a:extLst>
               <a:ext uri="{FF2B5EF4-FFF2-40B4-BE49-F238E27FC236}">
-                <a16:creationId xmlns:a16="http://schemas.microsoft.com/office/drawing/2014/main" xmlns="" id="{AAF42EAD-D694-44AE-A242-EBE40ABF907E}"/>
+                <a16:creationId xmlns="" xmlns:a16="http://schemas.microsoft.com/office/drawing/2014/main" id="{AAF42EAD-D694-44AE-A242-EBE40ABF907E}"/>
               </a:ext>
             </a:extLst>
           </p:cNvPr>
@@ -21128,14 +21128,14 @@
           <p:nvPr>
             <p:extLst>
               <p:ext uri="{D42A27DB-BD31-4B8C-83A1-F6EECF244321}">
-                <p14:modId xmlns:p14="http://schemas.microsoft.com/office/powerpoint/2010/main" val="2334213520"/>
+                <p14:modId xmlns:p14="http://schemas.microsoft.com/office/powerpoint/2010/main" val="2224964590"/>
               </p:ext>
             </p:extLst>
           </p:nvPr>
         </p:nvGraphicFramePr>
         <p:xfrm>
           <a:off x="1880239" y="2012631"/>
-          <a:ext cx="8675311" cy="1838376"/>
+          <a:ext cx="8675311" cy="2336832"/>
         </p:xfrm>
         <a:graphic>
           <a:graphicData uri="http://schemas.openxmlformats.org/drawingml/2006/table">
@@ -21147,14 +21147,14 @@
                 <a:gridCol w="1398280">
                   <a:extLst>
                     <a:ext uri="{9D8B030D-6E8A-4147-A177-3AD203B41FA5}">
-                      <a16:colId xmlns:a16="http://schemas.microsoft.com/office/drawing/2014/main" xmlns="" val="3890552523"/>
+                      <a16:colId xmlns="" xmlns:a16="http://schemas.microsoft.com/office/drawing/2014/main" val="3890552523"/>
                     </a:ext>
                   </a:extLst>
                 </a:gridCol>
                 <a:gridCol w="7277031">
                   <a:extLst>
                     <a:ext uri="{9D8B030D-6E8A-4147-A177-3AD203B41FA5}">
-                      <a16:colId xmlns:a16="http://schemas.microsoft.com/office/drawing/2014/main" xmlns="" val="1525426376"/>
+                      <a16:colId xmlns="" xmlns:a16="http://schemas.microsoft.com/office/drawing/2014/main" val="1525426376"/>
                     </a:ext>
                   </a:extLst>
                 </a:gridCol>
@@ -21165,6 +21165,7 @@
                     <a:bodyPr/>
                     <a:lstStyle/>
                     <a:p>
+                      <a:pPr algn="ctr"/>
                       <a:r>
                         <a:rPr lang="en-SG" dirty="0"/>
                         <a:t>Correct</a:t>
@@ -21189,7 +21190,7 @@
                 </a:tc>
                 <a:extLst>
                   <a:ext uri="{0D108BD9-81ED-4DB2-BD59-A6C34878D82A}">
-                    <a16:rowId xmlns:a16="http://schemas.microsoft.com/office/drawing/2014/main" xmlns="" val="3835565455"/>
+                    <a16:rowId xmlns="" xmlns:a16="http://schemas.microsoft.com/office/drawing/2014/main" val="3835565455"/>
                   </a:ext>
                 </a:extLst>
               </a:tr>
@@ -21199,7 +21200,7 @@
                     <a:bodyPr/>
                     <a:lstStyle/>
                     <a:p>
-                      <a:pPr algn="l" fontAlgn="b"/>
+                      <a:pPr algn="ctr" fontAlgn="b"/>
                       <a:r>
                         <a:rPr lang="en-SG" sz="2000" b="0" i="0" u="none" strike="noStrike" dirty="0" smtClean="0">
                           <a:solidFill>
@@ -21208,7 +21209,186 @@
                           <a:effectLst/>
                           <a:latin typeface="Calibri" panose="020F0502020204030204" pitchFamily="34" charset="0"/>
                         </a:rPr>
-                        <a:t>natural</a:t>
+                        <a:t>theoretically</a:t>
+                      </a:r>
+                      <a:endParaRPr lang="en-SG" sz="2000" b="0" i="0" u="none" strike="noStrike" dirty="0" smtClean="0">
+                        <a:solidFill>
+                          <a:srgbClr val="000000"/>
+                        </a:solidFill>
+                        <a:effectLst/>
+                        <a:latin typeface="Calibri" panose="020F0502020204030204" pitchFamily="34" charset="0"/>
+                      </a:endParaRPr>
+                    </a:p>
+                    <a:p>
+                      <a:pPr algn="ctr" fontAlgn="b"/>
+                      <a:r>
+                        <a:rPr lang="el-GR" sz="1800" b="0" i="0" kern="1200" dirty="0" smtClean="0">
+                          <a:solidFill>
+                            <a:schemeClr val="dk1"/>
+                          </a:solidFill>
+                          <a:effectLst/>
+                          <a:latin typeface="+mn-lt"/>
+                          <a:ea typeface="+mn-ea"/>
+                          <a:cs typeface="+mn-cs"/>
+                        </a:rPr>
+                        <a:t>ˌθ</a:t>
+                      </a:r>
+                      <a:r>
+                        <a:rPr lang="en-US" sz="1800" b="0" i="0" kern="1200" dirty="0" err="1" smtClean="0">
+                          <a:solidFill>
+                            <a:schemeClr val="dk1"/>
+                          </a:solidFill>
+                          <a:effectLst/>
+                          <a:latin typeface="+mn-lt"/>
+                          <a:ea typeface="+mn-ea"/>
+                          <a:cs typeface="+mn-cs"/>
+                        </a:rPr>
+                        <a:t>iːəˈretɪkli</a:t>
+                      </a:r>
+                      <a:endParaRPr lang="en-SG" sz="2000" b="0" i="0" u="none" strike="noStrike" dirty="0">
+                        <a:solidFill>
+                          <a:srgbClr val="000000"/>
+                        </a:solidFill>
+                        <a:effectLst/>
+                        <a:latin typeface="Calibri" panose="020F0502020204030204" pitchFamily="34" charset="0"/>
+                      </a:endParaRPr>
+                    </a:p>
+                  </a:txBody>
+                  <a:tcPr marL="7620" marR="7620" marT="7620" marB="0" anchor="b"/>
+                </a:tc>
+                <a:tc>
+                  <a:txBody>
+                    <a:bodyPr/>
+                    <a:lstStyle/>
+                    <a:p>
+                      <a:pPr algn="l" fontAlgn="b"/>
+                      <a:r>
+                        <a:rPr lang="en-US" sz="2000" b="0" i="0" u="none" strike="noStrike" dirty="0" err="1" smtClean="0">
+                          <a:solidFill>
+                            <a:srgbClr val="000000"/>
+                          </a:solidFill>
+                          <a:effectLst/>
+                          <a:latin typeface="Calibri" panose="020F0502020204030204" pitchFamily="34" charset="0"/>
+                        </a:rPr>
+                        <a:t>theorytically</a:t>
+                      </a:r>
+                      <a:r>
+                        <a:rPr lang="en-US" sz="2000" b="0" i="0" u="none" strike="noStrike" dirty="0" smtClean="0">
+                          <a:solidFill>
+                            <a:srgbClr val="000000"/>
+                          </a:solidFill>
+                          <a:effectLst/>
+                          <a:latin typeface="Calibri" panose="020F0502020204030204" pitchFamily="34" charset="0"/>
+                        </a:rPr>
+                        <a:t>   </a:t>
+                      </a:r>
+                      <a:r>
+                        <a:rPr lang="en-US" sz="2000" b="0" i="0" u="none" strike="noStrike" dirty="0" err="1" smtClean="0">
+                          <a:solidFill>
+                            <a:srgbClr val="000000"/>
+                          </a:solidFill>
+                          <a:effectLst/>
+                          <a:latin typeface="Calibri" panose="020F0502020204030204" pitchFamily="34" charset="0"/>
+                        </a:rPr>
+                        <a:t>theorotically</a:t>
+                      </a:r>
+                      <a:r>
+                        <a:rPr lang="en-US" sz="2000" b="0" i="0" u="none" strike="noStrike" dirty="0" smtClean="0">
+                          <a:solidFill>
+                            <a:srgbClr val="000000"/>
+                          </a:solidFill>
+                          <a:effectLst/>
+                          <a:latin typeface="Calibri" panose="020F0502020204030204" pitchFamily="34" charset="0"/>
+                        </a:rPr>
+                        <a:t>   </a:t>
+                      </a:r>
+                      <a:r>
+                        <a:rPr lang="en-US" sz="2000" b="0" i="0" u="none" strike="noStrike" dirty="0" err="1" smtClean="0">
+                          <a:solidFill>
+                            <a:srgbClr val="000000"/>
+                          </a:solidFill>
+                          <a:effectLst/>
+                          <a:latin typeface="Calibri" panose="020F0502020204030204" pitchFamily="34" charset="0"/>
+                        </a:rPr>
+                        <a:t>theoriotically</a:t>
+                      </a:r>
+                      <a:endParaRPr lang="en-SG" sz="2000" b="0" i="0" u="none" strike="noStrike" dirty="0" smtClean="0">
+                        <a:solidFill>
+                          <a:srgbClr val="000000"/>
+                        </a:solidFill>
+                        <a:effectLst/>
+                        <a:latin typeface="Calibri" panose="020F0502020204030204" pitchFamily="34" charset="0"/>
+                      </a:endParaRPr>
+                    </a:p>
+                    <a:p>
+                      <a:pPr algn="l" fontAlgn="b"/>
+                      <a:endParaRPr lang="en-US" sz="2000" b="0" i="0" u="none" strike="noStrike" dirty="0" smtClean="0">
+                        <a:solidFill>
+                          <a:srgbClr val="000000"/>
+                        </a:solidFill>
+                        <a:effectLst/>
+                        <a:latin typeface="Calibri" panose="020F0502020204030204" pitchFamily="34" charset="0"/>
+                      </a:endParaRPr>
+                    </a:p>
+                  </a:txBody>
+                  <a:tcPr marL="7620" marR="7620" marT="7620" marB="0" anchor="b"/>
+                </a:tc>
+                <a:extLst>
+                  <a:ext uri="{0D108BD9-81ED-4DB2-BD59-A6C34878D82A}">
+                    <a16:rowId xmlns="" xmlns:a16="http://schemas.microsoft.com/office/drawing/2014/main" val="3790972328"/>
+                  </a:ext>
+                </a:extLst>
+              </a:tr>
+              <a:tr h="457728">
+                <a:tc>
+                  <a:txBody>
+                    <a:bodyPr/>
+                    <a:lstStyle/>
+                    <a:p>
+                      <a:pPr algn="ctr" fontAlgn="b"/>
+                      <a:r>
+                        <a:rPr lang="en-SG" sz="2000" b="0" i="0" u="none" strike="noStrike" dirty="0" smtClean="0">
+                          <a:solidFill>
+                            <a:srgbClr val="000000"/>
+                          </a:solidFill>
+                          <a:effectLst/>
+                          <a:latin typeface="Calibri" panose="020F0502020204030204" pitchFamily="34" charset="0"/>
+                        </a:rPr>
+                        <a:t>pressure</a:t>
+                      </a:r>
+                      <a:endParaRPr lang="en-SG" sz="2000" b="0" i="0" u="none" strike="noStrike" dirty="0" smtClean="0">
+                        <a:solidFill>
+                          <a:srgbClr val="000000"/>
+                        </a:solidFill>
+                        <a:effectLst/>
+                        <a:latin typeface="Calibri" panose="020F0502020204030204" pitchFamily="34" charset="0"/>
+                      </a:endParaRPr>
+                    </a:p>
+                    <a:p>
+                      <a:pPr algn="ctr" fontAlgn="b"/>
+                      <a:r>
+                        <a:rPr lang="en-US" sz="1800" b="0" i="0" kern="1200" dirty="0" smtClean="0">
+                          <a:solidFill>
+                            <a:schemeClr val="dk1"/>
+                          </a:solidFill>
+                          <a:effectLst/>
+                          <a:latin typeface="+mn-lt"/>
+                          <a:ea typeface="+mn-ea"/>
+                          <a:cs typeface="+mn-cs"/>
+                        </a:rPr>
+                        <a:t>ˈ</a:t>
+                      </a:r>
+                      <a:r>
+                        <a:rPr lang="en-US" sz="1800" b="0" i="0" kern="1200" dirty="0" err="1" smtClean="0">
+                          <a:solidFill>
+                            <a:schemeClr val="dk1"/>
+                          </a:solidFill>
+                          <a:effectLst/>
+                          <a:latin typeface="+mn-lt"/>
+                          <a:ea typeface="+mn-ea"/>
+                          <a:cs typeface="+mn-cs"/>
+                        </a:rPr>
+                        <a:t>preʃər</a:t>
                       </a:r>
                       <a:endParaRPr lang="en-SG" sz="2000" b="0" i="0" u="none" strike="noStrike" dirty="0">
                         <a:solidFill>
@@ -21235,47 +21415,7 @@
                           <a:effectLst/>
                           <a:latin typeface="Calibri" panose="020F0502020204030204" pitchFamily="34" charset="0"/>
                         </a:rPr>
-                        <a:t>'nature': </a:t>
-                      </a:r>
-                      <a:r>
-                        <a:rPr lang="en-US" sz="2000" b="0" i="0" u="none" strike="noStrike" dirty="0" smtClean="0">
-                          <a:solidFill>
-                            <a:srgbClr val="000000"/>
-                          </a:solidFill>
-                          <a:effectLst/>
-                          <a:latin typeface="Calibri" panose="020F0502020204030204" pitchFamily="34" charset="0"/>
-                        </a:rPr>
-                        <a:t>12</a:t>
-                      </a:r>
-                      <a:r>
-                        <a:rPr lang="en-US" sz="2000" b="0" i="0" u="none" strike="noStrike" baseline="0" dirty="0" smtClean="0">
-                          <a:solidFill>
-                            <a:srgbClr val="000000"/>
-                          </a:solidFill>
-                          <a:effectLst/>
-                          <a:latin typeface="Calibri" panose="020F0502020204030204" pitchFamily="34" charset="0"/>
-                        </a:rPr>
-                        <a:t>   </a:t>
-                      </a:r>
-                      <a:r>
-                        <a:rPr lang="en-US" sz="2000" b="0" i="0" u="none" strike="noStrike" dirty="0" smtClean="0">
-                          <a:solidFill>
-                            <a:srgbClr val="000000"/>
-                          </a:solidFill>
-                          <a:effectLst/>
-                          <a:latin typeface="Calibri" panose="020F0502020204030204" pitchFamily="34" charset="0"/>
-                        </a:rPr>
-                        <a:t> </a:t>
-                      </a:r>
-                      <a:r>
-                        <a:rPr lang="en-US" sz="2000" b="0" i="0" u="none" strike="noStrike" dirty="0" smtClean="0">
-                          <a:solidFill>
-                            <a:srgbClr val="000000"/>
-                          </a:solidFill>
-                          <a:effectLst/>
-                          <a:latin typeface="Calibri" panose="020F0502020204030204" pitchFamily="34" charset="0"/>
-                        </a:rPr>
-                        <a:t>'</a:t>
+                        <a:t>presser   </a:t>
                       </a:r>
                       <a:r>
                         <a:rPr lang="en-US" sz="2000" b="0" i="0" u="none" strike="noStrike" dirty="0" err="1" smtClean="0">
@@ -21285,118 +21425,18 @@
                           <a:effectLst/>
                           <a:latin typeface="Calibri" panose="020F0502020204030204" pitchFamily="34" charset="0"/>
                         </a:rPr>
-                        <a:t>naural</a:t>
+                        <a:t>presure</a:t>
                       </a:r>
-                      <a:r>
-                        <a:rPr lang="en-US" sz="2000" b="0" i="0" u="none" strike="noStrike" dirty="0" smtClean="0">
-                          <a:solidFill>
-                            <a:srgbClr val="000000"/>
-                          </a:solidFill>
-                          <a:effectLst/>
-                          <a:latin typeface="Calibri" panose="020F0502020204030204" pitchFamily="34" charset="0"/>
-                        </a:rPr>
-                        <a:t>': </a:t>
-                      </a:r>
-                      <a:r>
-                        <a:rPr lang="en-US" sz="2000" b="0" i="0" u="none" strike="noStrike" dirty="0" smtClean="0">
-                          <a:solidFill>
-                            <a:srgbClr val="000000"/>
-                          </a:solidFill>
-                          <a:effectLst/>
-                          <a:latin typeface="Calibri" panose="020F0502020204030204" pitchFamily="34" charset="0"/>
-                        </a:rPr>
-                        <a:t>1</a:t>
-                      </a:r>
-                      <a:r>
-                        <a:rPr lang="en-US" sz="2000" b="0" i="0" u="none" strike="noStrike" baseline="0" dirty="0" smtClean="0">
-                          <a:solidFill>
-                            <a:srgbClr val="000000"/>
-                          </a:solidFill>
-                          <a:effectLst/>
-                          <a:latin typeface="Calibri" panose="020F0502020204030204" pitchFamily="34" charset="0"/>
-                        </a:rPr>
-                        <a:t>   </a:t>
-                      </a:r>
-                      <a:r>
-                        <a:rPr lang="en-US" sz="2000" b="0" i="0" u="none" strike="noStrike" dirty="0" smtClean="0">
-                          <a:solidFill>
-                            <a:srgbClr val="000000"/>
-                          </a:solidFill>
-                          <a:effectLst/>
-                          <a:latin typeface="Calibri" panose="020F0502020204030204" pitchFamily="34" charset="0"/>
-                        </a:rPr>
-                        <a:t> </a:t>
-                      </a:r>
-                      <a:r>
-                        <a:rPr lang="en-US" sz="2000" b="0" i="0" u="none" strike="noStrike" dirty="0" smtClean="0">
-                          <a:solidFill>
-                            <a:srgbClr val="000000"/>
-                          </a:solidFill>
-                          <a:effectLst/>
-                          <a:latin typeface="Calibri" panose="020F0502020204030204" pitchFamily="34" charset="0"/>
-                        </a:rPr>
-                        <a:t>'national': </a:t>
-                      </a:r>
-                      <a:r>
-                        <a:rPr lang="en-US" sz="2000" b="0" i="0" u="none" strike="noStrike" dirty="0" smtClean="0">
-                          <a:solidFill>
-                            <a:srgbClr val="000000"/>
-                          </a:solidFill>
-                          <a:effectLst/>
-                          <a:latin typeface="Calibri" panose="020F0502020204030204" pitchFamily="34" charset="0"/>
-                        </a:rPr>
-                        <a:t>3</a:t>
-                      </a:r>
-                      <a:r>
-                        <a:rPr lang="en-US" sz="2000" b="0" i="0" u="none" strike="noStrike" baseline="0" dirty="0" smtClean="0">
-                          <a:solidFill>
-                            <a:srgbClr val="000000"/>
-                          </a:solidFill>
-                          <a:effectLst/>
-                          <a:latin typeface="Calibri" panose="020F0502020204030204" pitchFamily="34" charset="0"/>
-                        </a:rPr>
-                        <a:t>   </a:t>
-                      </a:r>
-                      <a:r>
-                        <a:rPr lang="en-US" sz="2000" b="0" i="0" u="none" strike="noStrike" dirty="0" smtClean="0">
-                          <a:solidFill>
-                            <a:srgbClr val="000000"/>
-                          </a:solidFill>
-                          <a:effectLst/>
-                          <a:latin typeface="Calibri" panose="020F0502020204030204" pitchFamily="34" charset="0"/>
-                        </a:rPr>
-                        <a:t> </a:t>
-                      </a:r>
-                      <a:r>
-                        <a:rPr lang="en-US" sz="2000" b="0" i="0" u="none" strike="noStrike" dirty="0" smtClean="0">
-                          <a:solidFill>
-                            <a:srgbClr val="000000"/>
-                          </a:solidFill>
-                          <a:effectLst/>
-                          <a:latin typeface="Calibri" panose="020F0502020204030204" pitchFamily="34" charset="0"/>
-                        </a:rPr>
-                        <a:t>'</a:t>
-                      </a:r>
-                      <a:r>
-                        <a:rPr lang="en-US" sz="2000" b="0" i="0" u="none" strike="noStrike" dirty="0" err="1" smtClean="0">
-                          <a:solidFill>
-                            <a:srgbClr val="000000"/>
-                          </a:solidFill>
-                          <a:effectLst/>
-                          <a:latin typeface="Calibri" panose="020F0502020204030204" pitchFamily="34" charset="0"/>
-                        </a:rPr>
-                        <a:t>natual</a:t>
-                      </a:r>
-                      <a:r>
-                        <a:rPr lang="en-US" sz="2000" b="0" i="0" u="none" strike="noStrike" dirty="0" smtClean="0">
-                          <a:solidFill>
-                            <a:srgbClr val="000000"/>
-                          </a:solidFill>
-                          <a:effectLst/>
-                          <a:latin typeface="Calibri" panose="020F0502020204030204" pitchFamily="34" charset="0"/>
-                        </a:rPr>
-                        <a:t>': 1</a:t>
-                      </a:r>
+                      <a:endParaRPr lang="en-US" sz="2000" b="0" i="0" u="none" strike="noStrike" dirty="0" smtClean="0">
+                        <a:solidFill>
+                          <a:srgbClr val="000000"/>
+                        </a:solidFill>
+                        <a:effectLst/>
+                        <a:latin typeface="Calibri" panose="020F0502020204030204" pitchFamily="34" charset="0"/>
+                      </a:endParaRPr>
+                    </a:p>
+                    <a:p>
+                      <a:pPr algn="l" fontAlgn="b"/>
                       <a:endParaRPr lang="en-SG" sz="2000" b="0" i="0" u="none" strike="noStrike" dirty="0">
                         <a:solidFill>
                           <a:srgbClr val="000000"/>
@@ -21410,188 +21450,7 @@
                 </a:tc>
                 <a:extLst>
                   <a:ext uri="{0D108BD9-81ED-4DB2-BD59-A6C34878D82A}">
-                    <a16:rowId xmlns:a16="http://schemas.microsoft.com/office/drawing/2014/main" xmlns="" val="3790972328"/>
-                  </a:ext>
-                </a:extLst>
-              </a:tr>
-              <a:tr h="457728">
-                <a:tc>
-                  <a:txBody>
-                    <a:bodyPr/>
-                    <a:lstStyle/>
-                    <a:p>
-                      <a:pPr algn="l" fontAlgn="b"/>
-                      <a:r>
-                        <a:rPr lang="en-SG" sz="2000" b="0" i="0" u="none" strike="noStrike" dirty="0" smtClean="0">
-                          <a:solidFill>
-                            <a:srgbClr val="000000"/>
-                          </a:solidFill>
-                          <a:effectLst/>
-                          <a:latin typeface="Calibri" panose="020F0502020204030204" pitchFamily="34" charset="0"/>
-                        </a:rPr>
-                        <a:t>has</a:t>
-                      </a:r>
-                      <a:endParaRPr lang="en-SG" sz="2000" b="0" i="0" u="none" strike="noStrike" dirty="0">
-                        <a:solidFill>
-                          <a:srgbClr val="000000"/>
-                        </a:solidFill>
-                        <a:effectLst/>
-                        <a:latin typeface="Calibri" panose="020F0502020204030204" pitchFamily="34" charset="0"/>
-                      </a:endParaRPr>
-                    </a:p>
-                  </a:txBody>
-                  <a:tcPr marL="7620" marR="7620" marT="7620" marB="0" anchor="b"/>
-                </a:tc>
-                <a:tc>
-                  <a:txBody>
-                    <a:bodyPr/>
-                    <a:lstStyle/>
-                    <a:p>
-                      <a:pPr algn="l" fontAlgn="b"/>
-                      <a:r>
-                        <a:rPr lang="en-US" sz="2000" b="0" i="0" u="none" strike="noStrike" dirty="0" smtClean="0">
-                          <a:solidFill>
-                            <a:srgbClr val="000000"/>
-                          </a:solidFill>
-                          <a:effectLst/>
-                          <a:latin typeface="Calibri" panose="020F0502020204030204" pitchFamily="34" charset="0"/>
-                        </a:rPr>
-                        <a:t>'is': </a:t>
-                      </a:r>
-                      <a:r>
-                        <a:rPr lang="en-US" sz="2000" b="0" i="0" u="none" strike="noStrike" dirty="0" smtClean="0">
-                          <a:solidFill>
-                            <a:srgbClr val="000000"/>
-                          </a:solidFill>
-                          <a:effectLst/>
-                          <a:latin typeface="Calibri" panose="020F0502020204030204" pitchFamily="34" charset="0"/>
-                        </a:rPr>
-                        <a:t>9</a:t>
-                      </a:r>
-                      <a:r>
-                        <a:rPr lang="en-US" sz="2000" b="0" i="0" u="none" strike="noStrike" baseline="0" dirty="0" smtClean="0">
-                          <a:solidFill>
-                            <a:srgbClr val="000000"/>
-                          </a:solidFill>
-                          <a:effectLst/>
-                          <a:latin typeface="Calibri" panose="020F0502020204030204" pitchFamily="34" charset="0"/>
-                        </a:rPr>
-                        <a:t>   </a:t>
-                      </a:r>
-                      <a:r>
-                        <a:rPr lang="en-US" sz="2000" b="0" i="0" u="none" strike="noStrike" dirty="0" smtClean="0">
-                          <a:solidFill>
-                            <a:srgbClr val="000000"/>
-                          </a:solidFill>
-                          <a:effectLst/>
-                          <a:latin typeface="Calibri" panose="020F0502020204030204" pitchFamily="34" charset="0"/>
-                        </a:rPr>
-                        <a:t> </a:t>
-                      </a:r>
-                      <a:r>
-                        <a:rPr lang="en-US" sz="2000" b="0" i="0" u="none" strike="noStrike" dirty="0" smtClean="0">
-                          <a:solidFill>
-                            <a:srgbClr val="000000"/>
-                          </a:solidFill>
-                          <a:effectLst/>
-                          <a:latin typeface="Calibri" panose="020F0502020204030204" pitchFamily="34" charset="0"/>
-                        </a:rPr>
-                        <a:t>'he': </a:t>
-                      </a:r>
-                      <a:r>
-                        <a:rPr lang="en-US" sz="2000" b="0" i="0" u="none" strike="noStrike" dirty="0" smtClean="0">
-                          <a:solidFill>
-                            <a:srgbClr val="000000"/>
-                          </a:solidFill>
-                          <a:effectLst/>
-                          <a:latin typeface="Calibri" panose="020F0502020204030204" pitchFamily="34" charset="0"/>
-                        </a:rPr>
-                        <a:t>1</a:t>
-                      </a:r>
-                      <a:r>
-                        <a:rPr lang="en-US" sz="2000" b="0" i="0" u="none" strike="noStrike" baseline="0" dirty="0" smtClean="0">
-                          <a:solidFill>
-                            <a:srgbClr val="000000"/>
-                          </a:solidFill>
-                          <a:effectLst/>
-                          <a:latin typeface="Calibri" panose="020F0502020204030204" pitchFamily="34" charset="0"/>
-                        </a:rPr>
-                        <a:t>   </a:t>
-                      </a:r>
-                      <a:r>
-                        <a:rPr lang="en-US" sz="2000" b="0" i="0" u="none" strike="noStrike" dirty="0" smtClean="0">
-                          <a:solidFill>
-                            <a:srgbClr val="000000"/>
-                          </a:solidFill>
-                          <a:effectLst/>
-                          <a:latin typeface="Calibri" panose="020F0502020204030204" pitchFamily="34" charset="0"/>
-                        </a:rPr>
-                        <a:t> </a:t>
-                      </a:r>
-                      <a:r>
-                        <a:rPr lang="en-US" sz="2000" b="0" i="0" u="none" strike="noStrike" dirty="0" smtClean="0">
-                          <a:solidFill>
-                            <a:srgbClr val="000000"/>
-                          </a:solidFill>
-                          <a:effectLst/>
-                          <a:latin typeface="Calibri" panose="020F0502020204030204" pitchFamily="34" charset="0"/>
-                        </a:rPr>
-                        <a:t>'had': </a:t>
-                      </a:r>
-                      <a:r>
-                        <a:rPr lang="en-US" sz="2000" b="0" i="0" u="none" strike="noStrike" dirty="0" smtClean="0">
-                          <a:solidFill>
-                            <a:srgbClr val="000000"/>
-                          </a:solidFill>
-                          <a:effectLst/>
-                          <a:latin typeface="Calibri" panose="020F0502020204030204" pitchFamily="34" charset="0"/>
-                        </a:rPr>
-                        <a:t>3</a:t>
-                      </a:r>
-                      <a:r>
-                        <a:rPr lang="en-US" sz="2000" b="0" i="0" u="none" strike="noStrike" baseline="0" dirty="0" smtClean="0">
-                          <a:solidFill>
-                            <a:srgbClr val="000000"/>
-                          </a:solidFill>
-                          <a:effectLst/>
-                          <a:latin typeface="Calibri" panose="020F0502020204030204" pitchFamily="34" charset="0"/>
-                        </a:rPr>
-                        <a:t>   </a:t>
-                      </a:r>
-                      <a:r>
-                        <a:rPr lang="en-US" sz="2000" b="0" i="0" u="none" strike="noStrike" dirty="0" smtClean="0">
-                          <a:solidFill>
-                            <a:srgbClr val="000000"/>
-                          </a:solidFill>
-                          <a:effectLst/>
-                          <a:latin typeface="Calibri" panose="020F0502020204030204" pitchFamily="34" charset="0"/>
-                        </a:rPr>
-                        <a:t> </a:t>
-                      </a:r>
-                      <a:r>
-                        <a:rPr lang="en-US" sz="2000" b="0" i="0" u="none" strike="noStrike" dirty="0" smtClean="0">
-                          <a:solidFill>
-                            <a:srgbClr val="000000"/>
-                          </a:solidFill>
-                          <a:effectLst/>
-                          <a:latin typeface="Calibri" panose="020F0502020204030204" pitchFamily="34" charset="0"/>
-                        </a:rPr>
-                        <a:t>'have': 1</a:t>
-                      </a:r>
-                      <a:endParaRPr lang="en-SG" sz="2000" b="0" i="0" u="none" strike="noStrike" dirty="0">
-                        <a:solidFill>
-                          <a:srgbClr val="000000"/>
-                        </a:solidFill>
-                        <a:effectLst/>
-                        <a:latin typeface="Calibri" panose="020F0502020204030204" pitchFamily="34" charset="0"/>
-                      </a:endParaRPr>
-                    </a:p>
-                  </a:txBody>
-                  <a:tcPr marL="7620" marR="7620" marT="7620" marB="0" anchor="b"/>
-                </a:tc>
-                <a:extLst>
-                  <a:ext uri="{0D108BD9-81ED-4DB2-BD59-A6C34878D82A}">
-                    <a16:rowId xmlns:a16="http://schemas.microsoft.com/office/drawing/2014/main" xmlns="" val="251490781"/>
+                    <a16:rowId xmlns="" xmlns:a16="http://schemas.microsoft.com/office/drawing/2014/main" val="251490781"/>
                   </a:ext>
                 </a:extLst>
               </a:tr>
@@ -21601,9 +21460,9 @@
                     <a:bodyPr/>
                     <a:lstStyle/>
                     <a:p>
-                      <a:pPr marL="0" algn="l" defTabSz="914400" rtl="0" eaLnBrk="1" fontAlgn="b" latinLnBrk="0" hangingPunct="1"/>
+                      <a:pPr marL="0" algn="ctr" defTabSz="914400" rtl="0" eaLnBrk="1" fontAlgn="b" latinLnBrk="0" hangingPunct="1"/>
                       <a:r>
-                        <a:rPr lang="en-SG" sz="2000" b="0" i="0" u="none" strike="noStrike" kern="1200" dirty="0" err="1" smtClean="0">
+                        <a:rPr lang="en-SG" sz="2000" b="0" i="0" u="none" strike="noStrike" kern="1200" dirty="0" smtClean="0">
                           <a:solidFill>
                             <a:srgbClr val="000000"/>
                           </a:solidFill>
@@ -21612,7 +21471,31 @@
                           <a:ea typeface="+mn-ea"/>
                           <a:cs typeface="+mn-cs"/>
                         </a:rPr>
-                        <a:t>nesse</a:t>
+                        <a:t>guess</a:t>
+                      </a:r>
+                      <a:endParaRPr lang="en-SG" sz="2000" b="0" i="0" u="none" strike="noStrike" kern="1200" dirty="0" smtClean="0">
+                        <a:solidFill>
+                          <a:srgbClr val="000000"/>
+                        </a:solidFill>
+                        <a:effectLst/>
+                        <a:latin typeface="Calibri" panose="020F0502020204030204" pitchFamily="34" charset="0"/>
+                        <a:ea typeface="+mn-ea"/>
+                        <a:cs typeface="+mn-cs"/>
+                      </a:endParaRPr>
+                    </a:p>
+                    <a:p>
+                      <a:pPr marL="0" algn="ctr" defTabSz="914400" rtl="0" eaLnBrk="1" fontAlgn="b" latinLnBrk="0" hangingPunct="1"/>
+                      <a:r>
+                        <a:rPr lang="en-US" sz="1800" b="0" i="0" kern="1200" dirty="0" err="1" smtClean="0">
+                          <a:solidFill>
+                            <a:schemeClr val="dk1"/>
+                          </a:solidFill>
+                          <a:effectLst/>
+                          <a:latin typeface="+mn-lt"/>
+                          <a:ea typeface="+mn-ea"/>
+                          <a:cs typeface="+mn-cs"/>
+                        </a:rPr>
+                        <a:t>ɡes</a:t>
                       </a:r>
                       <a:endParaRPr lang="en-SG" sz="2000" b="0" i="0" u="none" strike="noStrike" kern="1200" dirty="0">
                         <a:solidFill>
@@ -21643,7 +21526,7 @@
                           <a:ea typeface="+mn-ea"/>
                           <a:cs typeface="+mn-cs"/>
                         </a:rPr>
-                        <a:t>'</a:t>
+                        <a:t>get   </a:t>
                       </a:r>
                       <a:r>
                         <a:rPr lang="en-US" sz="2000" b="0" i="0" u="none" strike="noStrike" kern="1200" dirty="0" err="1" smtClean="0">
@@ -21655,309 +21538,33 @@
                           <a:ea typeface="+mn-ea"/>
                           <a:cs typeface="+mn-cs"/>
                         </a:rPr>
-                        <a:t>nessy</a:t>
+                        <a:t>gess</a:t>
                       </a:r>
+                      <a:endParaRPr lang="en-US" sz="2000" b="0" i="0" u="none" strike="noStrike" kern="1200" dirty="0" smtClean="0">
+                        <a:solidFill>
+                          <a:srgbClr val="000000"/>
+                        </a:solidFill>
+                        <a:effectLst/>
+                        <a:latin typeface="Calibri" panose="020F0502020204030204" pitchFamily="34" charset="0"/>
+                        <a:ea typeface="+mn-ea"/>
+                        <a:cs typeface="+mn-cs"/>
+                      </a:endParaRPr>
+                    </a:p>
+                    <a:p>
+                      <a:pPr marL="0" algn="l" defTabSz="914400" rtl="0" eaLnBrk="1" fontAlgn="b" latinLnBrk="0" hangingPunct="1"/>
                       <a:r>
-                        <a:rPr lang="en-US" sz="2000" b="0" i="0" u="none" strike="noStrike" kern="1200" dirty="0" smtClean="0">
+                        <a:rPr lang="en-US" sz="1800" b="0" i="0" kern="1200" dirty="0" err="1" smtClean="0">
                           <a:solidFill>
-                            <a:srgbClr val="000000"/>
+                            <a:schemeClr val="dk1"/>
                           </a:solidFill>
                           <a:effectLst/>
-                          <a:latin typeface="Calibri" panose="020F0502020204030204" pitchFamily="34" charset="0"/>
+                          <a:latin typeface="+mn-lt"/>
                           <a:ea typeface="+mn-ea"/>
                           <a:cs typeface="+mn-cs"/>
                         </a:rPr>
-                        <a:t>': </a:t>
+                        <a:t>ɡet</a:t>
                       </a:r>
-                      <a:r>
-                        <a:rPr lang="en-US" sz="2000" b="0" i="0" u="none" strike="noStrike" kern="1200" dirty="0" smtClean="0">
-                          <a:solidFill>
-                            <a:srgbClr val="000000"/>
-                          </a:solidFill>
-                          <a:effectLst/>
-                          <a:latin typeface="Calibri" panose="020F0502020204030204" pitchFamily="34" charset="0"/>
-                          <a:ea typeface="+mn-ea"/>
-                          <a:cs typeface="+mn-cs"/>
-                        </a:rPr>
-                        <a:t>2</a:t>
-                      </a:r>
-                      <a:r>
-                        <a:rPr lang="en-US" sz="2000" b="0" i="0" u="none" strike="noStrike" kern="1200" baseline="0" dirty="0" smtClean="0">
-                          <a:solidFill>
-                            <a:srgbClr val="000000"/>
-                          </a:solidFill>
-                          <a:effectLst/>
-                          <a:latin typeface="Calibri" panose="020F0502020204030204" pitchFamily="34" charset="0"/>
-                          <a:ea typeface="+mn-ea"/>
-                          <a:cs typeface="+mn-cs"/>
-                        </a:rPr>
-                        <a:t>   </a:t>
-                      </a:r>
-                      <a:r>
-                        <a:rPr lang="en-US" sz="2000" b="0" i="0" u="none" strike="noStrike" kern="1200" dirty="0" smtClean="0">
-                          <a:solidFill>
-                            <a:srgbClr val="000000"/>
-                          </a:solidFill>
-                          <a:effectLst/>
-                          <a:latin typeface="Calibri" panose="020F0502020204030204" pitchFamily="34" charset="0"/>
-                          <a:ea typeface="+mn-ea"/>
-                          <a:cs typeface="+mn-cs"/>
-                        </a:rPr>
-                        <a:t> </a:t>
-                      </a:r>
-                      <a:r>
-                        <a:rPr lang="en-US" sz="2000" b="0" i="0" u="none" strike="noStrike" kern="1200" dirty="0" smtClean="0">
-                          <a:solidFill>
-                            <a:srgbClr val="000000"/>
-                          </a:solidFill>
-                          <a:effectLst/>
-                          <a:latin typeface="Calibri" panose="020F0502020204030204" pitchFamily="34" charset="0"/>
-                          <a:ea typeface="+mn-ea"/>
-                          <a:cs typeface="+mn-cs"/>
-                        </a:rPr>
-                        <a:t>'</a:t>
-                      </a:r>
-                      <a:r>
-                        <a:rPr lang="en-US" sz="2000" b="0" i="0" u="none" strike="noStrike" kern="1200" dirty="0" err="1" smtClean="0">
-                          <a:solidFill>
-                            <a:srgbClr val="000000"/>
-                          </a:solidFill>
-                          <a:effectLst/>
-                          <a:latin typeface="Calibri" panose="020F0502020204030204" pitchFamily="34" charset="0"/>
-                          <a:ea typeface="+mn-ea"/>
-                          <a:cs typeface="+mn-cs"/>
-                        </a:rPr>
-                        <a:t>besse</a:t>
-                      </a:r>
-                      <a:r>
-                        <a:rPr lang="en-US" sz="2000" b="0" i="0" u="none" strike="noStrike" kern="1200" dirty="0" smtClean="0">
-                          <a:solidFill>
-                            <a:srgbClr val="000000"/>
-                          </a:solidFill>
-                          <a:effectLst/>
-                          <a:latin typeface="Calibri" panose="020F0502020204030204" pitchFamily="34" charset="0"/>
-                          <a:ea typeface="+mn-ea"/>
-                          <a:cs typeface="+mn-cs"/>
-                        </a:rPr>
-                        <a:t>': </a:t>
-                      </a:r>
-                      <a:r>
-                        <a:rPr lang="en-US" sz="2000" b="0" i="0" u="none" strike="noStrike" kern="1200" dirty="0" smtClean="0">
-                          <a:solidFill>
-                            <a:srgbClr val="000000"/>
-                          </a:solidFill>
-                          <a:effectLst/>
-                          <a:latin typeface="Calibri" panose="020F0502020204030204" pitchFamily="34" charset="0"/>
-                          <a:ea typeface="+mn-ea"/>
-                          <a:cs typeface="+mn-cs"/>
-                        </a:rPr>
-                        <a:t>1</a:t>
-                      </a:r>
-                      <a:r>
-                        <a:rPr lang="en-US" sz="2000" b="0" i="0" u="none" strike="noStrike" kern="1200" baseline="0" dirty="0" smtClean="0">
-                          <a:solidFill>
-                            <a:srgbClr val="000000"/>
-                          </a:solidFill>
-                          <a:effectLst/>
-                          <a:latin typeface="Calibri" panose="020F0502020204030204" pitchFamily="34" charset="0"/>
-                          <a:ea typeface="+mn-ea"/>
-                          <a:cs typeface="+mn-cs"/>
-                        </a:rPr>
-                        <a:t>   </a:t>
-                      </a:r>
-                      <a:r>
-                        <a:rPr lang="en-US" sz="2000" b="0" i="0" u="none" strike="noStrike" kern="1200" dirty="0" smtClean="0">
-                          <a:solidFill>
-                            <a:srgbClr val="000000"/>
-                          </a:solidFill>
-                          <a:effectLst/>
-                          <a:latin typeface="Calibri" panose="020F0502020204030204" pitchFamily="34" charset="0"/>
-                          <a:ea typeface="+mn-ea"/>
-                          <a:cs typeface="+mn-cs"/>
-                        </a:rPr>
-                        <a:t> </a:t>
-                      </a:r>
-                      <a:r>
-                        <a:rPr lang="en-US" sz="2000" b="0" i="0" u="none" strike="noStrike" kern="1200" dirty="0" smtClean="0">
-                          <a:solidFill>
-                            <a:srgbClr val="000000"/>
-                          </a:solidFill>
-                          <a:effectLst/>
-                          <a:latin typeface="Calibri" panose="020F0502020204030204" pitchFamily="34" charset="0"/>
-                          <a:ea typeface="+mn-ea"/>
-                          <a:cs typeface="+mn-cs"/>
-                        </a:rPr>
-                        <a:t>'</a:t>
-                      </a:r>
-                      <a:r>
-                        <a:rPr lang="en-US" sz="2000" b="0" i="0" u="none" strike="noStrike" kern="1200" dirty="0" err="1" smtClean="0">
-                          <a:solidFill>
-                            <a:srgbClr val="000000"/>
-                          </a:solidFill>
-                          <a:effectLst/>
-                          <a:latin typeface="Calibri" panose="020F0502020204030204" pitchFamily="34" charset="0"/>
-                          <a:ea typeface="+mn-ea"/>
-                          <a:cs typeface="+mn-cs"/>
-                        </a:rPr>
-                        <a:t>neesse</a:t>
-                      </a:r>
-                      <a:r>
-                        <a:rPr lang="en-US" sz="2000" b="0" i="0" u="none" strike="noStrike" kern="1200" dirty="0" smtClean="0">
-                          <a:solidFill>
-                            <a:srgbClr val="000000"/>
-                          </a:solidFill>
-                          <a:effectLst/>
-                          <a:latin typeface="Calibri" panose="020F0502020204030204" pitchFamily="34" charset="0"/>
-                          <a:ea typeface="+mn-ea"/>
-                          <a:cs typeface="+mn-cs"/>
-                        </a:rPr>
-                        <a:t>': </a:t>
-                      </a:r>
-                      <a:r>
-                        <a:rPr lang="en-US" sz="2000" b="0" i="0" u="none" strike="noStrike" kern="1200" dirty="0" smtClean="0">
-                          <a:solidFill>
-                            <a:srgbClr val="000000"/>
-                          </a:solidFill>
-                          <a:effectLst/>
-                          <a:latin typeface="Calibri" panose="020F0502020204030204" pitchFamily="34" charset="0"/>
-                          <a:ea typeface="+mn-ea"/>
-                          <a:cs typeface="+mn-cs"/>
-                        </a:rPr>
-                        <a:t>1</a:t>
-                      </a:r>
-                      <a:r>
-                        <a:rPr lang="en-US" sz="2000" b="0" i="0" u="none" strike="noStrike" kern="1200" baseline="0" dirty="0" smtClean="0">
-                          <a:solidFill>
-                            <a:srgbClr val="000000"/>
-                          </a:solidFill>
-                          <a:effectLst/>
-                          <a:latin typeface="Calibri" panose="020F0502020204030204" pitchFamily="34" charset="0"/>
-                          <a:ea typeface="+mn-ea"/>
-                          <a:cs typeface="+mn-cs"/>
-                        </a:rPr>
-                        <a:t>   </a:t>
-                      </a:r>
-                      <a:r>
-                        <a:rPr lang="en-US" sz="2000" b="0" i="0" u="none" strike="noStrike" kern="1200" dirty="0" smtClean="0">
-                          <a:solidFill>
-                            <a:srgbClr val="000000"/>
-                          </a:solidFill>
-                          <a:effectLst/>
-                          <a:latin typeface="Calibri" panose="020F0502020204030204" pitchFamily="34" charset="0"/>
-                          <a:ea typeface="+mn-ea"/>
-                          <a:cs typeface="+mn-cs"/>
-                        </a:rPr>
-                        <a:t> </a:t>
-                      </a:r>
-                      <a:r>
-                        <a:rPr lang="en-US" sz="2000" b="0" i="0" u="none" strike="noStrike" kern="1200" dirty="0" smtClean="0">
-                          <a:solidFill>
-                            <a:srgbClr val="000000"/>
-                          </a:solidFill>
-                          <a:effectLst/>
-                          <a:latin typeface="Calibri" panose="020F0502020204030204" pitchFamily="34" charset="0"/>
-                          <a:ea typeface="+mn-ea"/>
-                          <a:cs typeface="+mn-cs"/>
-                        </a:rPr>
-                        <a:t>'</a:t>
-                      </a:r>
-                      <a:r>
-                        <a:rPr lang="en-US" sz="2000" b="0" i="0" u="none" strike="noStrike" kern="1200" dirty="0" err="1" smtClean="0">
-                          <a:solidFill>
-                            <a:srgbClr val="000000"/>
-                          </a:solidFill>
-                          <a:effectLst/>
-                          <a:latin typeface="Calibri" panose="020F0502020204030204" pitchFamily="34" charset="0"/>
-                          <a:ea typeface="+mn-ea"/>
-                          <a:cs typeface="+mn-cs"/>
-                        </a:rPr>
-                        <a:t>randolph</a:t>
-                      </a:r>
-                      <a:r>
-                        <a:rPr lang="en-US" sz="2000" b="0" i="0" u="none" strike="noStrike" kern="1200" dirty="0" smtClean="0">
-                          <a:solidFill>
-                            <a:srgbClr val="000000"/>
-                          </a:solidFill>
-                          <a:effectLst/>
-                          <a:latin typeface="Calibri" panose="020F0502020204030204" pitchFamily="34" charset="0"/>
-                          <a:ea typeface="+mn-ea"/>
-                          <a:cs typeface="+mn-cs"/>
-                        </a:rPr>
-                        <a:t>': </a:t>
-                      </a:r>
-                      <a:r>
-                        <a:rPr lang="en-US" sz="2000" b="0" i="0" u="none" strike="noStrike" kern="1200" dirty="0" smtClean="0">
-                          <a:solidFill>
-                            <a:srgbClr val="000000"/>
-                          </a:solidFill>
-                          <a:effectLst/>
-                          <a:latin typeface="Calibri" panose="020F0502020204030204" pitchFamily="34" charset="0"/>
-                          <a:ea typeface="+mn-ea"/>
-                          <a:cs typeface="+mn-cs"/>
-                        </a:rPr>
-                        <a:t>1</a:t>
-                      </a:r>
-                      <a:r>
-                        <a:rPr lang="en-US" sz="2000" b="0" i="0" u="none" strike="noStrike" kern="1200" baseline="0" dirty="0" smtClean="0">
-                          <a:solidFill>
-                            <a:srgbClr val="000000"/>
-                          </a:solidFill>
-                          <a:effectLst/>
-                          <a:latin typeface="Calibri" panose="020F0502020204030204" pitchFamily="34" charset="0"/>
-                          <a:ea typeface="+mn-ea"/>
-                          <a:cs typeface="+mn-cs"/>
-                        </a:rPr>
-                        <a:t>   </a:t>
-                      </a:r>
-                      <a:r>
-                        <a:rPr lang="en-US" sz="2000" b="0" i="0" u="none" strike="noStrike" kern="1200" dirty="0" smtClean="0">
-                          <a:solidFill>
-                            <a:srgbClr val="000000"/>
-                          </a:solidFill>
-                          <a:effectLst/>
-                          <a:latin typeface="Calibri" panose="020F0502020204030204" pitchFamily="34" charset="0"/>
-                          <a:ea typeface="+mn-ea"/>
-                          <a:cs typeface="+mn-cs"/>
-                        </a:rPr>
-                        <a:t> </a:t>
-                      </a:r>
-                      <a:r>
-                        <a:rPr lang="en-US" sz="2000" b="0" i="0" u="none" strike="noStrike" kern="1200" dirty="0" smtClean="0">
-                          <a:solidFill>
-                            <a:srgbClr val="000000"/>
-                          </a:solidFill>
-                          <a:effectLst/>
-                          <a:latin typeface="Calibri" panose="020F0502020204030204" pitchFamily="34" charset="0"/>
-                          <a:ea typeface="+mn-ea"/>
-                          <a:cs typeface="+mn-cs"/>
-                        </a:rPr>
-                        <a:t>'</a:t>
-                      </a:r>
-                      <a:r>
-                        <a:rPr lang="en-US" sz="2000" b="0" i="0" u="none" strike="noStrike" kern="1200" dirty="0" err="1" smtClean="0">
-                          <a:solidFill>
-                            <a:srgbClr val="000000"/>
-                          </a:solidFill>
-                          <a:effectLst/>
-                          <a:latin typeface="Calibri" panose="020F0502020204030204" pitchFamily="34" charset="0"/>
-                          <a:ea typeface="+mn-ea"/>
-                          <a:cs typeface="+mn-cs"/>
-                        </a:rPr>
-                        <a:t>nessie</a:t>
-                      </a:r>
-                      <a:r>
-                        <a:rPr lang="en-US" sz="2000" b="0" i="0" u="none" strike="noStrike" kern="1200" dirty="0" smtClean="0">
-                          <a:solidFill>
-                            <a:srgbClr val="000000"/>
-                          </a:solidFill>
-                          <a:effectLst/>
-                          <a:latin typeface="Calibri" panose="020F0502020204030204" pitchFamily="34" charset="0"/>
-                          <a:ea typeface="+mn-ea"/>
-                          <a:cs typeface="+mn-cs"/>
-                        </a:rPr>
-                        <a:t>': 6</a:t>
-                      </a:r>
-                      <a:endParaRPr lang="en-SG" sz="2000" b="0" i="0" u="none" strike="noStrike" kern="1200" dirty="0">
+                      <a:endParaRPr lang="en-US" sz="2000" b="0" i="0" u="none" strike="noStrike" kern="1200" dirty="0" smtClean="0">
                         <a:solidFill>
                           <a:srgbClr val="000000"/>
                         </a:solidFill>
@@ -21972,7 +21579,7 @@
                 </a:tc>
                 <a:extLst>
                   <a:ext uri="{0D108BD9-81ED-4DB2-BD59-A6C34878D82A}">
-                    <a16:rowId xmlns:a16="http://schemas.microsoft.com/office/drawing/2014/main" xmlns="" val="4123512095"/>
+                    <a16:rowId xmlns="" xmlns:a16="http://schemas.microsoft.com/office/drawing/2014/main" val="4123512095"/>
                   </a:ext>
                 </a:extLst>
               </a:tr>
